--- a/reports/Capstone_Three_Presentation.pptx
+++ b/reports/Capstone_Three_Presentation.pptx
@@ -17,9 +17,10 @@
     <p:sldId id="269" r:id="rId11"/>
     <p:sldId id="286" r:id="rId12"/>
     <p:sldId id="287" r:id="rId13"/>
-    <p:sldId id="288" r:id="rId14"/>
-    <p:sldId id="289" r:id="rId15"/>
-    <p:sldId id="279" r:id="rId16"/>
+    <p:sldId id="290" r:id="rId14"/>
+    <p:sldId id="288" r:id="rId15"/>
+    <p:sldId id="289" r:id="rId16"/>
+    <p:sldId id="279" r:id="rId17"/>
   </p:sldIdLst>
   <p:sldSz cx="12192000" cy="6858000"/>
   <p:notesSz cx="6858000" cy="9144000"/>
@@ -10339,13 +10340,13 @@
   <p:clrMapOvr>
     <a:masterClrMapping/>
   </p:clrMapOvr>
-  <mc:AlternateContent xmlns:mc="http://schemas.openxmlformats.org/markup-compatibility/2006">
-    <mc:Choice xmlns:p159="http://schemas.microsoft.com/office/powerpoint/2015/09/main" Requires="p159">
+  <mc:AlternateContent xmlns:mc="http://schemas.openxmlformats.org/markup-compatibility/2006" xmlns:p159="http://schemas.microsoft.com/office/powerpoint/2015/09/main">
+    <mc:Choice Requires="p159">
       <p:transition xmlns:p14="http://schemas.microsoft.com/office/powerpoint/2010/main" spd="slow" p14:dur="2000">
         <p159:morph option="byObject"/>
       </p:transition>
     </mc:Choice>
-    <mc:Fallback>
+    <mc:Fallback xmlns="">
       <p:transition spd="slow">
         <p:fade/>
       </p:transition>
@@ -10355,6 +10356,243 @@
 </file>
 
 <file path=ppt/slides/slide13.xml><?xml version="1.0" encoding="utf-8"?>
+<p:sld xmlns:a="http://schemas.openxmlformats.org/drawingml/2006/main" xmlns:r="http://schemas.openxmlformats.org/officeDocument/2006/relationships" xmlns:p="http://schemas.openxmlformats.org/presentationml/2006/main">
+  <p:cSld>
+    <p:spTree>
+      <p:nvGrpSpPr>
+        <p:cNvPr id="1" name="">
+          <a:extLst>
+            <a:ext uri="{FF2B5EF4-FFF2-40B4-BE49-F238E27FC236}">
+              <a16:creationId xmlns:a16="http://schemas.microsoft.com/office/drawing/2014/main" id="{343F13B0-18FA-5DEC-2255-3996CD8E3C41}"/>
+            </a:ext>
+          </a:extLst>
+        </p:cNvPr>
+        <p:cNvGrpSpPr/>
+        <p:nvPr/>
+      </p:nvGrpSpPr>
+      <p:grpSpPr>
+        <a:xfrm>
+          <a:off x="0" y="0"/>
+          <a:ext cx="0" cy="0"/>
+          <a:chOff x="0" y="0"/>
+          <a:chExt cx="0" cy="0"/>
+        </a:xfrm>
+      </p:grpSpPr>
+      <p:sp>
+        <p:nvSpPr>
+          <p:cNvPr id="2" name="Title 1">
+            <a:extLst>
+              <a:ext uri="{FF2B5EF4-FFF2-40B4-BE49-F238E27FC236}">
+                <a16:creationId xmlns:a16="http://schemas.microsoft.com/office/drawing/2014/main" id="{1FB37E55-5486-C298-F5A5-1E0D0BEF729C}"/>
+              </a:ext>
+            </a:extLst>
+          </p:cNvPr>
+          <p:cNvSpPr>
+            <a:spLocks noGrp="1"/>
+          </p:cNvSpPr>
+          <p:nvPr>
+            <p:ph type="title"/>
+          </p:nvPr>
+        </p:nvSpPr>
+        <p:spPr>
+          <a:xfrm>
+            <a:off x="1600889" y="121621"/>
+            <a:ext cx="7258440" cy="792779"/>
+          </a:xfrm>
+        </p:spPr>
+        <p:txBody>
+          <a:bodyPr>
+            <a:normAutofit/>
+          </a:bodyPr>
+          <a:lstStyle/>
+          <a:p>
+            <a:r>
+              <a:rPr lang="en-US" dirty="0"/>
+              <a:t>Summary</a:t>
+            </a:r>
+          </a:p>
+        </p:txBody>
+      </p:sp>
+      <p:sp>
+        <p:nvSpPr>
+          <p:cNvPr id="3" name="TextBox 2">
+            <a:extLst>
+              <a:ext uri="{FF2B5EF4-FFF2-40B4-BE49-F238E27FC236}">
+                <a16:creationId xmlns:a16="http://schemas.microsoft.com/office/drawing/2014/main" id="{61C69B8B-40D0-7F54-C913-864532CAE246}"/>
+              </a:ext>
+            </a:extLst>
+          </p:cNvPr>
+          <p:cNvSpPr txBox="1"/>
+          <p:nvPr/>
+        </p:nvSpPr>
+        <p:spPr>
+          <a:xfrm>
+            <a:off x="1600888" y="1587260"/>
+            <a:ext cx="9880869" cy="2308324"/>
+          </a:xfrm>
+          <a:prstGeom prst="rect">
+            <a:avLst/>
+          </a:prstGeom>
+          <a:noFill/>
+        </p:spPr>
+        <p:txBody>
+          <a:bodyPr wrap="square" rtlCol="0">
+            <a:spAutoFit/>
+          </a:bodyPr>
+          <a:lstStyle/>
+          <a:p>
+            <a:pPr marL="285750" indent="-285750">
+              <a:buFont typeface="Wingdings" panose="05000000000000000000" pitchFamily="2" charset="2"/>
+              <a:buChar char="q"/>
+            </a:pPr>
+            <a:r>
+              <a:rPr lang="en-US" sz="1800" dirty="0">
+                <a:effectLst/>
+                <a:ea typeface="Calibri" panose="020F0502020204030204" pitchFamily="34" charset="0"/>
+                <a:cs typeface="Times New Roman" panose="02020603050405020304" pitchFamily="18" charset="0"/>
+              </a:rPr>
+              <a:t>High performance across both validation and test sets (≈ 90% accuracy).</a:t>
+            </a:r>
+          </a:p>
+          <a:p>
+            <a:pPr marL="285750" indent="-285750">
+              <a:buFont typeface="Wingdings" panose="05000000000000000000" pitchFamily="2" charset="2"/>
+              <a:buChar char="q"/>
+            </a:pPr>
+            <a:endParaRPr lang="en-US" dirty="0"/>
+          </a:p>
+          <a:p>
+            <a:pPr marL="285750" indent="-285750">
+              <a:buFont typeface="Wingdings" panose="05000000000000000000" pitchFamily="2" charset="2"/>
+              <a:buChar char="q"/>
+            </a:pPr>
+            <a:r>
+              <a:rPr lang="en-US" sz="1800" dirty="0">
+                <a:effectLst/>
+                <a:ea typeface="Calibri" panose="020F0502020204030204" pitchFamily="34" charset="0"/>
+                <a:cs typeface="Times New Roman" panose="02020603050405020304" pitchFamily="18" charset="0"/>
+              </a:rPr>
+              <a:t>AUC of 0.97 demonstrates strong capability to distinguish defective vs. intact jar lids.</a:t>
+            </a:r>
+          </a:p>
+          <a:p>
+            <a:pPr marL="285750" indent="-285750">
+              <a:buFont typeface="Wingdings" panose="05000000000000000000" pitchFamily="2" charset="2"/>
+              <a:buChar char="q"/>
+            </a:pPr>
+            <a:endParaRPr lang="en-US" dirty="0"/>
+          </a:p>
+          <a:p>
+            <a:pPr marL="285750" indent="-285750" algn="just">
+              <a:buFont typeface="Wingdings" panose="05000000000000000000" pitchFamily="2" charset="2"/>
+              <a:buChar char="q"/>
+            </a:pPr>
+            <a:r>
+              <a:rPr lang="en-US" sz="1800" dirty="0">
+                <a:effectLst/>
+                <a:ea typeface="Calibri" panose="020F0502020204030204" pitchFamily="34" charset="0"/>
+                <a:cs typeface="Times New Roman" panose="02020603050405020304" pitchFamily="18" charset="0"/>
+              </a:rPr>
+              <a:t>Slight overfitting after ~20 epochs, but not performance-breaking.</a:t>
+            </a:r>
+            <a:endParaRPr lang="en-US" sz="1800" b="0" i="0" dirty="0">
+              <a:effectLst/>
+            </a:endParaRPr>
+          </a:p>
+          <a:p>
+            <a:pPr algn="just"/>
+            <a:endParaRPr lang="en-US" sz="1800" dirty="0">
+              <a:latin typeface="+mj-lt"/>
+            </a:endParaRPr>
+          </a:p>
+          <a:p>
+            <a:pPr marL="285750" indent="-285750">
+              <a:buFont typeface="Wingdings" panose="05000000000000000000" pitchFamily="2" charset="2"/>
+              <a:buChar char="q"/>
+            </a:pPr>
+            <a:endParaRPr lang="en-US" dirty="0"/>
+          </a:p>
+          <a:p>
+            <a:endParaRPr lang="en-US" dirty="0"/>
+          </a:p>
+        </p:txBody>
+      </p:sp>
+      <p:sp>
+        <p:nvSpPr>
+          <p:cNvPr id="4" name="TextBox 3">
+            <a:extLst>
+              <a:ext uri="{FF2B5EF4-FFF2-40B4-BE49-F238E27FC236}">
+                <a16:creationId xmlns:a16="http://schemas.microsoft.com/office/drawing/2014/main" id="{C42E3785-25E7-AE20-BD12-1E12ADAA4633}"/>
+              </a:ext>
+            </a:extLst>
+          </p:cNvPr>
+          <p:cNvSpPr txBox="1"/>
+          <p:nvPr/>
+        </p:nvSpPr>
+        <p:spPr>
+          <a:xfrm>
+            <a:off x="1600888" y="3826528"/>
+            <a:ext cx="9816860" cy="1657441"/>
+          </a:xfrm>
+          <a:prstGeom prst="rect">
+            <a:avLst/>
+          </a:prstGeom>
+          <a:noFill/>
+        </p:spPr>
+        <p:txBody>
+          <a:bodyPr wrap="square" rtlCol="0">
+            <a:spAutoFit/>
+          </a:bodyPr>
+          <a:lstStyle/>
+          <a:p>
+            <a:pPr marL="0" marR="0" algn="just">
+              <a:lnSpc>
+                <a:spcPct val="107000"/>
+              </a:lnSpc>
+              <a:spcAft>
+                <a:spcPts val="800"/>
+              </a:spcAft>
+            </a:pPr>
+            <a:r>
+              <a:rPr lang="en-US" sz="2400" kern="100" dirty="0">
+                <a:effectLst/>
+                <a:ea typeface="Calibri" panose="020F0502020204030204" pitchFamily="34" charset="0"/>
+                <a:cs typeface="Times New Roman" panose="02020603050405020304" pitchFamily="18" charset="0"/>
+              </a:rPr>
+              <a:t>This evaluation confirms the CNN model is reliable, generalizes well, and is well-suited for deployment in an automated defect detection pipeline.</a:t>
+            </a:r>
+          </a:p>
+          <a:p>
+            <a:endParaRPr lang="en-US" dirty="0"/>
+          </a:p>
+        </p:txBody>
+      </p:sp>
+    </p:spTree>
+    <p:extLst>
+      <p:ext uri="{BB962C8B-B14F-4D97-AF65-F5344CB8AC3E}">
+        <p14:creationId xmlns:p14="http://schemas.microsoft.com/office/powerpoint/2010/main" val="776472057"/>
+      </p:ext>
+    </p:extLst>
+  </p:cSld>
+  <p:clrMapOvr>
+    <a:masterClrMapping/>
+  </p:clrMapOvr>
+  <mc:AlternateContent xmlns:mc="http://schemas.openxmlformats.org/markup-compatibility/2006" xmlns:p159="http://schemas.microsoft.com/office/powerpoint/2015/09/main">
+    <mc:Choice Requires="p159">
+      <p:transition xmlns:p14="http://schemas.microsoft.com/office/powerpoint/2010/main" spd="slow" p14:dur="2000">
+        <p159:morph option="byObject"/>
+      </p:transition>
+    </mc:Choice>
+    <mc:Fallback xmlns="">
+      <p:transition spd="slow">
+        <p:fade/>
+      </p:transition>
+    </mc:Fallback>
+  </mc:AlternateContent>
+</p:sld>
+</file>
+
+<file path=ppt/slides/slide14.xml><?xml version="1.0" encoding="utf-8"?>
 <p:sld xmlns:a="http://schemas.openxmlformats.org/drawingml/2006/main" xmlns:r="http://schemas.openxmlformats.org/officeDocument/2006/relationships" xmlns:p="http://schemas.openxmlformats.org/presentationml/2006/main">
   <p:cSld>
     <p:spTree>
@@ -10528,13 +10766,13 @@
   <p:clrMapOvr>
     <a:masterClrMapping/>
   </p:clrMapOvr>
-  <mc:AlternateContent xmlns:mc="http://schemas.openxmlformats.org/markup-compatibility/2006">
-    <mc:Choice xmlns:p159="http://schemas.microsoft.com/office/powerpoint/2015/09/main" Requires="p159">
+  <mc:AlternateContent xmlns:mc="http://schemas.openxmlformats.org/markup-compatibility/2006" xmlns:p159="http://schemas.microsoft.com/office/powerpoint/2015/09/main">
+    <mc:Choice Requires="p159">
       <p:transition xmlns:p14="http://schemas.microsoft.com/office/powerpoint/2010/main" spd="slow" p14:dur="2000">
         <p159:morph option="byObject"/>
       </p:transition>
     </mc:Choice>
-    <mc:Fallback>
+    <mc:Fallback xmlns="">
       <p:transition spd="slow">
         <p:fade/>
       </p:transition>
@@ -10543,7 +10781,7 @@
 </p:sld>
 </file>
 
-<file path=ppt/slides/slide14.xml><?xml version="1.0" encoding="utf-8"?>
+<file path=ppt/slides/slide15.xml><?xml version="1.0" encoding="utf-8"?>
 <p:sld xmlns:a="http://schemas.openxmlformats.org/drawingml/2006/main" xmlns:r="http://schemas.openxmlformats.org/officeDocument/2006/relationships" xmlns:p="http://schemas.openxmlformats.org/presentationml/2006/main">
   <p:cSld>
     <p:spTree>
@@ -10763,13 +11001,13 @@
   <p:clrMapOvr>
     <a:masterClrMapping/>
   </p:clrMapOvr>
-  <mc:AlternateContent xmlns:mc="http://schemas.openxmlformats.org/markup-compatibility/2006">
-    <mc:Choice xmlns:p159="http://schemas.microsoft.com/office/powerpoint/2015/09/main" Requires="p159">
+  <mc:AlternateContent xmlns:mc="http://schemas.openxmlformats.org/markup-compatibility/2006" xmlns:p159="http://schemas.microsoft.com/office/powerpoint/2015/09/main">
+    <mc:Choice Requires="p159">
       <p:transition xmlns:p14="http://schemas.microsoft.com/office/powerpoint/2010/main" spd="slow" p14:dur="2000">
         <p159:morph option="byObject"/>
       </p:transition>
     </mc:Choice>
-    <mc:Fallback>
+    <mc:Fallback xmlns="">
       <p:transition spd="slow">
         <p:fade/>
       </p:transition>
@@ -10778,7 +11016,7 @@
 </p:sld>
 </file>
 
-<file path=ppt/slides/slide15.xml><?xml version="1.0" encoding="utf-8"?>
+<file path=ppt/slides/slide16.xml><?xml version="1.0" encoding="utf-8"?>
 <p:sld xmlns:a="http://schemas.openxmlformats.org/drawingml/2006/main" xmlns:r="http://schemas.openxmlformats.org/officeDocument/2006/relationships" xmlns:p="http://schemas.openxmlformats.org/presentationml/2006/main">
   <p:cSld>
     <p:spTree>
@@ -12106,7 +12344,7 @@
         </p:nvSpPr>
         <p:spPr>
           <a:xfrm>
-            <a:off x="2930192" y="305003"/>
+            <a:off x="1610349" y="106220"/>
             <a:ext cx="8016729" cy="687105"/>
           </a:xfrm>
         </p:spPr>
@@ -12147,8 +12385,8 @@
         </p:nvSpPr>
         <p:spPr>
           <a:xfrm>
-            <a:off x="2930191" y="1043797"/>
-            <a:ext cx="8853491" cy="4770537"/>
+            <a:off x="1610349" y="1156451"/>
+            <a:ext cx="10581651" cy="4770537"/>
           </a:xfrm>
           <a:prstGeom prst="rect">
             <a:avLst/>
@@ -12191,7 +12429,21 @@
             </a:r>
             <a:r>
               <a:rPr lang="en-US" sz="1600" dirty="0"/>
-              <a:t>,  5x5,  'same' padding → </a:t>
+              <a:t>,  5x5,  'same' padding → initializer </a:t>
+            </a:r>
+            <a:r>
+              <a:rPr lang="en-US" sz="1600" dirty="0">
+                <a:solidFill>
+                  <a:schemeClr val="accent2">
+                    <a:lumMod val="75000"/>
+                  </a:schemeClr>
+                </a:solidFill>
+              </a:rPr>
+              <a:t>'he_normal' </a:t>
+            </a:r>
+            <a:r>
+              <a:rPr lang="en-US" sz="1600" dirty="0"/>
+              <a:t>→ </a:t>
             </a:r>
             <a:r>
               <a:rPr lang="en-US" sz="1600" dirty="0">
@@ -12233,7 +12485,21 @@
             </a:r>
             <a:r>
               <a:rPr lang="en-US" sz="1600" dirty="0"/>
-              <a:t>,  5x5,  'same' padding → </a:t>
+              <a:t>,  5x5,  'same' padding → initializer </a:t>
+            </a:r>
+            <a:r>
+              <a:rPr lang="en-US" sz="1600" dirty="0">
+                <a:solidFill>
+                  <a:schemeClr val="accent2">
+                    <a:lumMod val="75000"/>
+                  </a:schemeClr>
+                </a:solidFill>
+              </a:rPr>
+              <a:t>'he_normal' </a:t>
+            </a:r>
+            <a:r>
+              <a:rPr lang="en-US" sz="1600" dirty="0"/>
+              <a:t>→ </a:t>
             </a:r>
             <a:r>
               <a:rPr lang="en-US" sz="1600" dirty="0">
@@ -12275,7 +12541,21 @@
             </a:r>
             <a:r>
               <a:rPr lang="en-US" sz="1600" dirty="0"/>
-              <a:t>,  5x5,  'same' padding → </a:t>
+              <a:t>,  5x5,  'same' padding → initializer </a:t>
+            </a:r>
+            <a:r>
+              <a:rPr lang="en-US" sz="1600" dirty="0">
+                <a:solidFill>
+                  <a:schemeClr val="accent2">
+                    <a:lumMod val="75000"/>
+                  </a:schemeClr>
+                </a:solidFill>
+              </a:rPr>
+              <a:t>'he_normal' </a:t>
+            </a:r>
+            <a:r>
+              <a:rPr lang="en-US" sz="1600" dirty="0"/>
+              <a:t>→ </a:t>
             </a:r>
             <a:r>
               <a:rPr lang="en-US" sz="1600" dirty="0">
@@ -12335,7 +12615,21 @@
                   <a:srgbClr val="0070C0"/>
                 </a:solidFill>
               </a:rPr>
-              <a:t>ReLU</a:t>
+              <a:t>ReLU, </a:t>
+            </a:r>
+            <a:r>
+              <a:rPr lang="en-US" sz="1600" dirty="0"/>
+              <a:t>initializer </a:t>
+            </a:r>
+            <a:r>
+              <a:rPr lang="en-US" sz="1600" dirty="0">
+                <a:solidFill>
+                  <a:schemeClr val="accent2">
+                    <a:lumMod val="75000"/>
+                  </a:schemeClr>
+                </a:solidFill>
+              </a:rPr>
+              <a:t>'he_normal'</a:t>
             </a:r>
           </a:p>
           <a:p>
@@ -12394,7 +12688,7 @@
         </p:nvSpPr>
         <p:spPr>
           <a:xfrm>
-            <a:off x="2930190" y="5960853"/>
+            <a:off x="1610349" y="6059281"/>
             <a:ext cx="8948383" cy="461665"/>
           </a:xfrm>
           <a:prstGeom prst="rect">
